--- a/(KD1)기획안.pptx
+++ b/(KD1)기획안.pptx
@@ -917,7 +917,7 @@
       </p:grpSpPr>
       <p:sp>
         <p:nvSpPr>
-          <p:cNvPr id="64" name="Google Shape;64;ge8f8136dbc_0_21:notes"/>
+          <p:cNvPr id="64" name="Google Shape;64;gea17ef6121_1_0:notes"/>
           <p:cNvSpPr/>
           <p:nvPr>
             <p:ph idx="2" type="sldImg"/>
@@ -952,7 +952,7 @@
       </p:sp>
       <p:sp>
         <p:nvSpPr>
-          <p:cNvPr id="65" name="Google Shape;65;ge8f8136dbc_0_21:notes"/>
+          <p:cNvPr id="65" name="Google Shape;65;gea17ef6121_1_0:notes"/>
           <p:cNvSpPr txBox="1"/>
           <p:nvPr>
             <p:ph idx="1" type="body"/>
@@ -1002,7 +1002,7 @@
   <p:cSld>
     <p:spTree>
       <p:nvGrpSpPr>
-        <p:cNvPr id="69" name="Shape 69"/>
+        <p:cNvPr id="70" name="Shape 70"/>
         <p:cNvGrpSpPr/>
         <p:nvPr/>
       </p:nvGrpSpPr>
@@ -1016,7 +1016,7 @@
       </p:grpSpPr>
       <p:sp>
         <p:nvSpPr>
-          <p:cNvPr id="70" name="Google Shape;70;ge8f8136dbc_0_7:notes"/>
+          <p:cNvPr id="71" name="Google Shape;71;ge8f8136dbc_0_7:notes"/>
           <p:cNvSpPr/>
           <p:nvPr>
             <p:ph idx="2" type="sldImg"/>
@@ -1051,7 +1051,7 @@
       </p:sp>
       <p:sp>
         <p:nvSpPr>
-          <p:cNvPr id="71" name="Google Shape;71;ge8f8136dbc_0_7:notes"/>
+          <p:cNvPr id="72" name="Google Shape;72;ge8f8136dbc_0_7:notes"/>
           <p:cNvSpPr txBox="1"/>
           <p:nvPr>
             <p:ph idx="1" type="body"/>
@@ -1101,7 +1101,7 @@
   <p:cSld>
     <p:spTree>
       <p:nvGrpSpPr>
-        <p:cNvPr id="75" name="Shape 75"/>
+        <p:cNvPr id="76" name="Shape 76"/>
         <p:cNvGrpSpPr/>
         <p:nvPr/>
       </p:nvGrpSpPr>
@@ -1115,7 +1115,7 @@
       </p:grpSpPr>
       <p:sp>
         <p:nvSpPr>
-          <p:cNvPr id="76" name="Google Shape;76;ge8f8136dbc_2_0:notes"/>
+          <p:cNvPr id="77" name="Google Shape;77;ge8f8136dbc_2_0:notes"/>
           <p:cNvSpPr/>
           <p:nvPr>
             <p:ph idx="2" type="sldImg"/>
@@ -1150,7 +1150,7 @@
       </p:sp>
       <p:sp>
         <p:nvSpPr>
-          <p:cNvPr id="77" name="Google Shape;77;ge8f8136dbc_2_0:notes"/>
+          <p:cNvPr id="78" name="Google Shape;78;ge8f8136dbc_2_0:notes"/>
           <p:cNvSpPr txBox="1"/>
           <p:nvPr>
             <p:ph idx="1" type="body"/>
@@ -1200,7 +1200,7 @@
   <p:cSld>
     <p:spTree>
       <p:nvGrpSpPr>
-        <p:cNvPr id="87" name="Shape 87"/>
+        <p:cNvPr id="88" name="Shape 88"/>
         <p:cNvGrpSpPr/>
         <p:nvPr/>
       </p:nvGrpSpPr>
@@ -1214,7 +1214,7 @@
       </p:grpSpPr>
       <p:sp>
         <p:nvSpPr>
-          <p:cNvPr id="88" name="Google Shape;88;ge8f8136dbc_3_0:notes"/>
+          <p:cNvPr id="89" name="Google Shape;89;ge8f8136dbc_3_6:notes"/>
           <p:cNvSpPr/>
           <p:nvPr>
             <p:ph idx="2" type="sldImg"/>
@@ -1249,7 +1249,7 @@
       </p:sp>
       <p:sp>
         <p:nvSpPr>
-          <p:cNvPr id="89" name="Google Shape;89;ge8f8136dbc_3_0:notes"/>
+          <p:cNvPr id="90" name="Google Shape;90;ge8f8136dbc_3_6:notes"/>
           <p:cNvSpPr txBox="1"/>
           <p:nvPr>
             <p:ph idx="1" type="body"/>
@@ -1299,7 +1299,7 @@
   <p:cSld>
     <p:spTree>
       <p:nvGrpSpPr>
-        <p:cNvPr id="98" name="Shape 98"/>
+        <p:cNvPr id="96" name="Shape 96"/>
         <p:cNvGrpSpPr/>
         <p:nvPr/>
       </p:nvGrpSpPr>
@@ -1313,7 +1313,7 @@
       </p:grpSpPr>
       <p:sp>
         <p:nvSpPr>
-          <p:cNvPr id="99" name="Google Shape;99;ge8f8136dbc_3_6:notes"/>
+          <p:cNvPr id="97" name="Google Shape;97;ge8f8136dbc_0_21:notes"/>
           <p:cNvSpPr/>
           <p:nvPr>
             <p:ph idx="2" type="sldImg"/>
@@ -1348,7 +1348,7 @@
       </p:sp>
       <p:sp>
         <p:nvSpPr>
-          <p:cNvPr id="100" name="Google Shape;100;ge8f8136dbc_3_6:notes"/>
+          <p:cNvPr id="98" name="Google Shape;98;ge8f8136dbc_0_21:notes"/>
           <p:cNvSpPr txBox="1"/>
           <p:nvPr>
             <p:ph idx="1" type="body"/>
@@ -1398,7 +1398,7 @@
   <p:cSld>
     <p:spTree>
       <p:nvGrpSpPr>
-        <p:cNvPr id="106" name="Shape 106"/>
+        <p:cNvPr id="102" name="Shape 102"/>
         <p:cNvGrpSpPr/>
         <p:nvPr/>
       </p:nvGrpSpPr>
@@ -1412,7 +1412,7 @@
       </p:grpSpPr>
       <p:sp>
         <p:nvSpPr>
-          <p:cNvPr id="107" name="Google Shape;107;ge8f8136dbc_0_41:notes"/>
+          <p:cNvPr id="103" name="Google Shape;103;ge8f8136dbc_3_0:notes"/>
           <p:cNvSpPr/>
           <p:nvPr>
             <p:ph idx="2" type="sldImg"/>
@@ -1447,7 +1447,7 @@
       </p:sp>
       <p:sp>
         <p:nvSpPr>
-          <p:cNvPr id="108" name="Google Shape;108;ge8f8136dbc_0_41:notes"/>
+          <p:cNvPr id="104" name="Google Shape;104;ge8f8136dbc_3_0:notes"/>
           <p:cNvSpPr txBox="1"/>
           <p:nvPr>
             <p:ph idx="1" type="body"/>
@@ -6354,7 +6354,7 @@
             <a:tbl>
               <a:tblPr>
                 <a:noFill/>
-                <a:tableStyleId>{62390129-5647-44C6-A311-7BC06EEE0F3C}</a:tableStyleId>
+                <a:tableStyleId>{FBA2D9B2-299A-475C-8A6F-332914A20D6C}</a:tableStyleId>
               </a:tblPr>
               <a:tblGrid>
                 <a:gridCol w="1760100"/>
@@ -6878,37 +6878,9 @@
           <a:chExt cx="0" cy="0"/>
         </a:xfrm>
       </p:grpSpPr>
-      <p:pic>
-        <p:nvPicPr>
-          <p:cNvPr id="67" name="Google Shape;67;p15"/>
-          <p:cNvPicPr preferRelativeResize="0"/>
-          <p:nvPr/>
-        </p:nvPicPr>
-        <p:blipFill>
-          <a:blip r:embed="rId3">
-            <a:alphaModFix/>
-          </a:blip>
-          <a:stretch>
-            <a:fillRect/>
-          </a:stretch>
-        </p:blipFill>
-        <p:spPr>
-          <a:xfrm>
-            <a:off x="1156225" y="152400"/>
-            <a:ext cx="6831539" cy="4838700"/>
-          </a:xfrm>
-          <a:prstGeom prst="rect">
-            <a:avLst/>
-          </a:prstGeom>
-          <a:noFill/>
-          <a:ln>
-            <a:noFill/>
-          </a:ln>
-        </p:spPr>
-      </p:pic>
       <p:sp>
         <p:nvSpPr>
-          <p:cNvPr id="68" name="Google Shape;68;p15"/>
+          <p:cNvPr id="67" name="Google Shape;67;p15"/>
           <p:cNvSpPr txBox="1"/>
           <p:nvPr/>
         </p:nvSpPr>
@@ -6947,7 +6919,7 @@
                 <a:cs typeface="Nanum Gothic"/>
                 <a:sym typeface="Nanum Gothic"/>
               </a:rPr>
-              <a:t>Usecase Diagram</a:t>
+              <a:t>분석 배경</a:t>
             </a:r>
             <a:endParaRPr b="1" sz="2000">
               <a:latin typeface="Nanum Gothic"/>
@@ -6958,6 +6930,74 @@
           </a:p>
         </p:txBody>
       </p:sp>
+      <p:sp>
+        <p:nvSpPr>
+          <p:cNvPr id="68" name="Google Shape;68;p15"/>
+          <p:cNvSpPr txBox="1"/>
+          <p:nvPr>
+            <p:ph idx="1" type="body"/>
+          </p:nvPr>
+        </p:nvSpPr>
+        <p:spPr>
+          <a:xfrm>
+            <a:off x="311700" y="645600"/>
+            <a:ext cx="8520600" cy="3416400"/>
+          </a:xfrm>
+          <a:prstGeom prst="rect">
+            <a:avLst/>
+          </a:prstGeom>
+        </p:spPr>
+        <p:txBody>
+          <a:bodyPr anchorCtr="0" anchor="t" bIns="91425" lIns="91425" spcFirstLastPara="1" rIns="91425" wrap="square" tIns="91425">
+            <a:normAutofit/>
+          </a:bodyPr>
+          <a:lstStyle/>
+          <a:p>
+            <a:pPr indent="0" lvl="0" marL="0" rtl="0" algn="l">
+              <a:spcBef>
+                <a:spcPts val="0"/>
+              </a:spcBef>
+              <a:spcAft>
+                <a:spcPts val="1200"/>
+              </a:spcAft>
+              <a:buNone/>
+            </a:pPr>
+            <a:r>
+              <a:rPr lang="ko" sz="1000"/>
+              <a:t>https://www.mk.co.kr/star/broadcasting-service/view/2021/08/778678/</a:t>
+            </a:r>
+            <a:endParaRPr sz="1000"/>
+          </a:p>
+        </p:txBody>
+      </p:sp>
+      <p:pic>
+        <p:nvPicPr>
+          <p:cNvPr id="69" name="Google Shape;69;p15"/>
+          <p:cNvPicPr preferRelativeResize="0"/>
+          <p:nvPr/>
+        </p:nvPicPr>
+        <p:blipFill>
+          <a:blip r:embed="rId3">
+            <a:alphaModFix/>
+          </a:blip>
+          <a:stretch>
+            <a:fillRect/>
+          </a:stretch>
+        </p:blipFill>
+        <p:spPr>
+          <a:xfrm>
+            <a:off x="1376350" y="1195663"/>
+            <a:ext cx="6391275" cy="1190625"/>
+          </a:xfrm>
+          <a:prstGeom prst="rect">
+            <a:avLst/>
+          </a:prstGeom>
+          <a:noFill/>
+          <a:ln>
+            <a:noFill/>
+          </a:ln>
+        </p:spPr>
+      </p:pic>
     </p:spTree>
   </p:cSld>
   <p:clrMapOvr>
@@ -6971,7 +7011,7 @@
   <p:cSld>
     <p:spTree>
       <p:nvGrpSpPr>
-        <p:cNvPr id="72" name="Shape 72"/>
+        <p:cNvPr id="73" name="Shape 73"/>
         <p:cNvGrpSpPr/>
         <p:nvPr/>
       </p:nvGrpSpPr>
@@ -6985,7 +7025,7 @@
       </p:grpSpPr>
       <p:graphicFrame>
         <p:nvGraphicFramePr>
-          <p:cNvPr id="73" name="Google Shape;73;p16"/>
+          <p:cNvPr id="74" name="Google Shape;74;p16"/>
           <p:cNvGraphicFramePr/>
           <p:nvPr/>
         </p:nvGraphicFramePr>
@@ -6998,7 +7038,7 @@
             <a:tbl>
               <a:tblPr>
                 <a:noFill/>
-                <a:tableStyleId>{62390129-5647-44C6-A311-7BC06EEE0F3C}</a:tableStyleId>
+                <a:tableStyleId>{FBA2D9B2-299A-475C-8A6F-332914A20D6C}</a:tableStyleId>
               </a:tblPr>
               <a:tblGrid>
                 <a:gridCol w="1760100"/>
@@ -7512,7 +7552,7 @@
       </p:graphicFrame>
       <p:sp>
         <p:nvSpPr>
-          <p:cNvPr id="74" name="Google Shape;74;p16"/>
+          <p:cNvPr id="75" name="Google Shape;75;p16"/>
           <p:cNvSpPr txBox="1"/>
           <p:nvPr/>
         </p:nvSpPr>
@@ -7575,7 +7615,7 @@
   <p:cSld>
     <p:spTree>
       <p:nvGrpSpPr>
-        <p:cNvPr id="78" name="Shape 78"/>
+        <p:cNvPr id="79" name="Shape 79"/>
         <p:cNvGrpSpPr/>
         <p:nvPr/>
       </p:nvGrpSpPr>
@@ -7589,7 +7629,7 @@
       </p:grpSpPr>
       <p:sp>
         <p:nvSpPr>
-          <p:cNvPr id="79" name="Google Shape;79;p17"/>
+          <p:cNvPr id="80" name="Google Shape;80;p17"/>
           <p:cNvSpPr txBox="1"/>
           <p:nvPr/>
         </p:nvSpPr>
@@ -7716,7 +7756,7 @@
                 <a:cs typeface="Malgun Gothic"/>
                 <a:sym typeface="Malgun Gothic"/>
               </a:rPr>
-              <a:t>&gt;</a:t>
+              <a:t>&gt;M</a:t>
             </a:r>
             <a:r>
               <a:rPr lang="ko" sz="1700">
@@ -7728,7 +7768,7 @@
                 <a:cs typeface="Malgun Gothic"/>
                 <a:sym typeface="Malgun Gothic"/>
               </a:rPr>
-              <a:t>mongoDB에 저장</a:t>
+              <a:t>ongoDB에 저장</a:t>
             </a:r>
             <a:endParaRPr sz="1700">
               <a:solidFill>
@@ -7760,7 +7800,28 @@
                 <a:cs typeface="Malgun Gothic"/>
                 <a:sym typeface="Malgun Gothic"/>
               </a:rPr>
-              <a:t>2) mongoDB 와 </a:t>
+              <a:t>2) </a:t>
+            </a:r>
+            <a:r>
+              <a:rPr lang="ko" sz="1700">
+                <a:latin typeface="Malgun Gothic"/>
+                <a:ea typeface="Malgun Gothic"/>
+                <a:cs typeface="Malgun Gothic"/>
+                <a:sym typeface="Malgun Gothic"/>
+              </a:rPr>
+              <a:t>M</a:t>
+            </a:r>
+            <a:r>
+              <a:rPr lang="ko" sz="1700">
+                <a:solidFill>
+                  <a:srgbClr val="000000"/>
+                </a:solidFill>
+                <a:latin typeface="Malgun Gothic"/>
+                <a:ea typeface="Malgun Gothic"/>
+                <a:cs typeface="Malgun Gothic"/>
+                <a:sym typeface="Malgun Gothic"/>
+              </a:rPr>
+              <a:t>ongoDB 와 </a:t>
             </a:r>
             <a:r>
               <a:rPr lang="ko" sz="1700">
@@ -7846,7 +7907,28 @@
                 <a:cs typeface="Malgun Gothic"/>
                 <a:sym typeface="Malgun Gothic"/>
               </a:rPr>
-              <a:t>3) mongoDB에 저장되어 있는 데이터를 불러와서 </a:t>
+              <a:t>3) </a:t>
+            </a:r>
+            <a:r>
+              <a:rPr lang="ko" sz="1700">
+                <a:latin typeface="Malgun Gothic"/>
+                <a:ea typeface="Malgun Gothic"/>
+                <a:cs typeface="Malgun Gothic"/>
+                <a:sym typeface="Malgun Gothic"/>
+              </a:rPr>
+              <a:t>M</a:t>
+            </a:r>
+            <a:r>
+              <a:rPr lang="ko" sz="1700">
+                <a:solidFill>
+                  <a:srgbClr val="000000"/>
+                </a:solidFill>
+                <a:latin typeface="Malgun Gothic"/>
+                <a:ea typeface="Malgun Gothic"/>
+                <a:cs typeface="Malgun Gothic"/>
+                <a:sym typeface="Malgun Gothic"/>
+              </a:rPr>
+              <a:t>ongoDB에 저장되어 있는 데이터를 불러와서 </a:t>
             </a:r>
             <a:r>
               <a:rPr lang="ko" sz="1700">
@@ -7886,7 +7968,7 @@
       </p:sp>
       <p:pic>
         <p:nvPicPr>
-          <p:cNvPr id="80" name="Google Shape;80;p17"/>
+          <p:cNvPr id="81" name="Google Shape;81;p17"/>
           <p:cNvPicPr preferRelativeResize="0"/>
           <p:nvPr/>
         </p:nvPicPr>
@@ -7913,7 +7995,7 @@
       </p:pic>
       <p:sp>
         <p:nvSpPr>
-          <p:cNvPr id="81" name="Google Shape;81;p17"/>
+          <p:cNvPr id="82" name="Google Shape;82;p17"/>
           <p:cNvSpPr txBox="1"/>
           <p:nvPr/>
         </p:nvSpPr>
@@ -8106,7 +8188,16 @@
                   <a:schemeClr val="dk1"/>
                 </a:solidFill>
               </a:rPr>
-              <a:t>FinanceData</a:t>
+              <a:t>FinanceDataReader</a:t>
+            </a:r>
+            <a:r>
+              <a:rPr lang="ko" sz="1700">
+                <a:latin typeface="Malgun Gothic"/>
+                <a:ea typeface="Malgun Gothic"/>
+                <a:cs typeface="Malgun Gothic"/>
+                <a:sym typeface="Malgun Gothic"/>
+              </a:rPr>
+              <a:t>로 가져온 데이터는</a:t>
             </a:r>
             <a:r>
               <a:rPr b="0" i="0" lang="ko" sz="1700" u="none" cap="none" strike="noStrike">
@@ -8118,7 +8209,7 @@
                 <a:cs typeface="Malgun Gothic"/>
                 <a:sym typeface="Malgun Gothic"/>
               </a:rPr>
-              <a:t>은 MySQL 테이블에 바로 저장)</a:t>
+              <a:t> MySQL 테이블에 바로 저장)</a:t>
             </a:r>
             <a:endParaRPr b="0" i="0" sz="1700" u="none" cap="none" strike="noStrike">
               <a:solidFill>
@@ -8134,13 +8225,13 @@
       </p:sp>
       <p:sp>
         <p:nvSpPr>
-          <p:cNvPr id="82" name="Google Shape;82;p17"/>
+          <p:cNvPr id="83" name="Google Shape;83;p17"/>
           <p:cNvSpPr/>
           <p:nvPr/>
         </p:nvSpPr>
         <p:spPr>
           <a:xfrm>
-            <a:off x="988300" y="3561925"/>
+            <a:off x="2491000" y="3561925"/>
             <a:ext cx="1271400" cy="475200"/>
           </a:xfrm>
           <a:prstGeom prst="rect">
@@ -8184,7 +8275,7 @@
       </p:sp>
       <p:sp>
         <p:nvSpPr>
-          <p:cNvPr id="83" name="Google Shape;83;p17"/>
+          <p:cNvPr id="84" name="Google Shape;84;p17"/>
           <p:cNvSpPr/>
           <p:nvPr/>
         </p:nvSpPr>
@@ -8234,7 +8325,7 @@
       </p:sp>
       <p:sp>
         <p:nvSpPr>
-          <p:cNvPr id="84" name="Google Shape;84;p17"/>
+          <p:cNvPr id="85" name="Google Shape;85;p17"/>
           <p:cNvSpPr/>
           <p:nvPr/>
         </p:nvSpPr>
@@ -8284,13 +8375,65 @@
       </p:sp>
       <p:sp>
         <p:nvSpPr>
-          <p:cNvPr id="85" name="Google Shape;85;p17"/>
+          <p:cNvPr id="86" name="Google Shape;86;p17"/>
+          <p:cNvSpPr txBox="1"/>
+          <p:nvPr/>
+        </p:nvSpPr>
+        <p:spPr>
+          <a:xfrm>
+            <a:off x="210675" y="153000"/>
+            <a:ext cx="3401100" cy="492600"/>
+          </a:xfrm>
+          <a:prstGeom prst="rect">
+            <a:avLst/>
+          </a:prstGeom>
+          <a:noFill/>
+          <a:ln>
+            <a:noFill/>
+          </a:ln>
+        </p:spPr>
+        <p:txBody>
+          <a:bodyPr anchorCtr="0" anchor="t" bIns="91425" lIns="91425" spcFirstLastPara="1" rIns="91425" wrap="square" tIns="91425">
+            <a:spAutoFit/>
+          </a:bodyPr>
+          <a:lstStyle/>
+          <a:p>
+            <a:pPr indent="0" lvl="0" marL="0" rtl="0" algn="l">
+              <a:spcBef>
+                <a:spcPts val="0"/>
+              </a:spcBef>
+              <a:spcAft>
+                <a:spcPts val="0"/>
+              </a:spcAft>
+              <a:buNone/>
+            </a:pPr>
+            <a:r>
+              <a:rPr b="1" lang="ko" sz="2000">
+                <a:latin typeface="Nanum Gothic"/>
+                <a:ea typeface="Nanum Gothic"/>
+                <a:cs typeface="Nanum Gothic"/>
+                <a:sym typeface="Nanum Gothic"/>
+              </a:rPr>
+              <a:t>파이프라인</a:t>
+            </a:r>
+            <a:endParaRPr b="1" sz="2000">
+              <a:latin typeface="Nanum Gothic"/>
+              <a:ea typeface="Nanum Gothic"/>
+              <a:cs typeface="Nanum Gothic"/>
+              <a:sym typeface="Nanum Gothic"/>
+            </a:endParaRPr>
+          </a:p>
+        </p:txBody>
+      </p:sp>
+      <p:sp>
+        <p:nvSpPr>
+          <p:cNvPr id="87" name="Google Shape;87;p17"/>
           <p:cNvSpPr/>
           <p:nvPr/>
         </p:nvSpPr>
         <p:spPr>
           <a:xfrm>
-            <a:off x="2483588" y="3561925"/>
+            <a:off x="1003125" y="3561925"/>
             <a:ext cx="1271400" cy="475200"/>
           </a:xfrm>
           <a:prstGeom prst="rect">
@@ -8325,16 +8468,98 @@
               <a:buNone/>
             </a:pPr>
             <a:r>
-              <a:rPr lang="ko"/>
-              <a:t>MongoDB</a:t>
+              <a:t/>
             </a:r>
             <a:endParaRPr/>
           </a:p>
         </p:txBody>
       </p:sp>
+    </p:spTree>
+  </p:cSld>
+  <p:clrMapOvr>
+    <a:masterClrMapping/>
+  </p:clrMapOvr>
+</p:sld>
+</file>
+
+<file path=ppt/slides/slide6.xml><?xml version="1.0" encoding="utf-8"?>
+<p:sld xmlns:a="http://schemas.openxmlformats.org/drawingml/2006/main" xmlns:r="http://schemas.openxmlformats.org/officeDocument/2006/relationships" xmlns:mc="http://schemas.openxmlformats.org/markup-compatibility/2006" xmlns:mv="urn:schemas-microsoft-com:mac:vml" xmlns:p="http://schemas.openxmlformats.org/presentationml/2006/main" xmlns:c="http://schemas.openxmlformats.org/drawingml/2006/chart" xmlns:dgm="http://schemas.openxmlformats.org/drawingml/2006/diagram" xmlns:o="urn:schemas-microsoft-com:office:office" xmlns:v="urn:schemas-microsoft-com:vml" xmlns:pvml="urn:schemas-microsoft-com:office:powerpoint" xmlns:com="http://schemas.openxmlformats.org/drawingml/2006/compatibility" xmlns:p14="http://schemas.microsoft.com/office/powerpoint/2010/main" xmlns:p15="http://schemas.microsoft.com/office/powerpoint/2012/main" xmlns:ahyp="http://schemas.microsoft.com/office/drawing/2018/hyperlinkcolor">
+  <p:cSld>
+    <p:spTree>
+      <p:nvGrpSpPr>
+        <p:cNvPr id="91" name="Shape 91"/>
+        <p:cNvGrpSpPr/>
+        <p:nvPr/>
+      </p:nvGrpSpPr>
+      <p:grpSpPr>
+        <a:xfrm>
+          <a:off x="0" y="0"/>
+          <a:ext cx="0" cy="0"/>
+          <a:chOff x="0" y="0"/>
+          <a:chExt cx="0" cy="0"/>
+        </a:xfrm>
+      </p:grpSpPr>
       <p:sp>
         <p:nvSpPr>
-          <p:cNvPr id="86" name="Google Shape;86;p17"/>
+          <p:cNvPr id="92" name="Google Shape;92;p18"/>
+          <p:cNvSpPr txBox="1"/>
+          <p:nvPr>
+            <p:ph idx="1" type="body"/>
+          </p:nvPr>
+        </p:nvSpPr>
+        <p:spPr>
+          <a:xfrm>
+            <a:off x="311700" y="645600"/>
+            <a:ext cx="8520600" cy="3416400"/>
+          </a:xfrm>
+          <a:prstGeom prst="rect">
+            <a:avLst/>
+          </a:prstGeom>
+        </p:spPr>
+        <p:txBody>
+          <a:bodyPr anchorCtr="0" anchor="t" bIns="91425" lIns="91425" spcFirstLastPara="1" rIns="91425" wrap="square" tIns="91425">
+            <a:normAutofit/>
+          </a:bodyPr>
+          <a:lstStyle/>
+          <a:p>
+            <a:pPr indent="-292100" lvl="0" marL="457200" rtl="0" algn="l">
+              <a:spcBef>
+                <a:spcPts val="0"/>
+              </a:spcBef>
+              <a:spcAft>
+                <a:spcPts val="0"/>
+              </a:spcAft>
+              <a:buSzPts val="1000"/>
+              <a:buAutoNum type="arabicPeriod"/>
+            </a:pPr>
+            <a:r>
+              <a:rPr lang="ko" sz="1000"/>
+              <a:t>강유 외 3인(KDD), 2021, 「Accurate Multivariate Stock Movement Prediction via Data-Axis Transformer with Multi-Level Contexts」</a:t>
+            </a:r>
+            <a:endParaRPr sz="1000"/>
+          </a:p>
+          <a:p>
+            <a:pPr indent="-292100" lvl="0" marL="457200" rtl="0" algn="l">
+              <a:spcBef>
+                <a:spcPts val="0"/>
+              </a:spcBef>
+              <a:spcAft>
+                <a:spcPts val="0"/>
+              </a:spcAft>
+              <a:buSzPts val="1000"/>
+              <a:buAutoNum type="arabicPeriod"/>
+            </a:pPr>
+            <a:r>
+              <a:rPr lang="ko" sz="1000"/>
+              <a:t>김기준(학위논문), 2017, 「뉴스 감성 분석과 시계열 예측 기반의 주가 등락 예측」</a:t>
+            </a:r>
+            <a:endParaRPr sz="1000"/>
+          </a:p>
+        </p:txBody>
+      </p:sp>
+      <p:sp>
+        <p:nvSpPr>
+          <p:cNvPr id="93" name="Google Shape;93;p18"/>
           <p:cNvSpPr txBox="1"/>
           <p:nvPr/>
         </p:nvSpPr>
@@ -8373,7 +8598,168 @@
                 <a:cs typeface="Nanum Gothic"/>
                 <a:sym typeface="Nanum Gothic"/>
               </a:rPr>
-              <a:t>파이프라인</a:t>
+              <a:t>References</a:t>
+            </a:r>
+            <a:endParaRPr b="1" sz="2000">
+              <a:latin typeface="Nanum Gothic"/>
+              <a:ea typeface="Nanum Gothic"/>
+              <a:cs typeface="Nanum Gothic"/>
+              <a:sym typeface="Nanum Gothic"/>
+            </a:endParaRPr>
+          </a:p>
+        </p:txBody>
+      </p:sp>
+      <p:pic>
+        <p:nvPicPr>
+          <p:cNvPr id="94" name="Google Shape;94;p18"/>
+          <p:cNvPicPr preferRelativeResize="0"/>
+          <p:nvPr/>
+        </p:nvPicPr>
+        <p:blipFill>
+          <a:blip r:embed="rId3">
+            <a:alphaModFix/>
+          </a:blip>
+          <a:stretch>
+            <a:fillRect/>
+          </a:stretch>
+        </p:blipFill>
+        <p:spPr>
+          <a:xfrm>
+            <a:off x="0" y="1132324"/>
+            <a:ext cx="5355725" cy="2339350"/>
+          </a:xfrm>
+          <a:prstGeom prst="rect">
+            <a:avLst/>
+          </a:prstGeom>
+          <a:noFill/>
+          <a:ln>
+            <a:noFill/>
+          </a:ln>
+        </p:spPr>
+      </p:pic>
+      <p:pic>
+        <p:nvPicPr>
+          <p:cNvPr id="95" name="Google Shape;95;p18"/>
+          <p:cNvPicPr preferRelativeResize="0"/>
+          <p:nvPr/>
+        </p:nvPicPr>
+        <p:blipFill>
+          <a:blip r:embed="rId4">
+            <a:alphaModFix/>
+          </a:blip>
+          <a:stretch>
+            <a:fillRect/>
+          </a:stretch>
+        </p:blipFill>
+        <p:spPr>
+          <a:xfrm>
+            <a:off x="2905113" y="2476500"/>
+            <a:ext cx="6238875" cy="2667000"/>
+          </a:xfrm>
+          <a:prstGeom prst="rect">
+            <a:avLst/>
+          </a:prstGeom>
+          <a:noFill/>
+          <a:ln>
+            <a:noFill/>
+          </a:ln>
+        </p:spPr>
+      </p:pic>
+    </p:spTree>
+  </p:cSld>
+  <p:clrMapOvr>
+    <a:masterClrMapping/>
+  </p:clrMapOvr>
+</p:sld>
+</file>
+
+<file path=ppt/slides/slide7.xml><?xml version="1.0" encoding="utf-8"?>
+<p:sld xmlns:a="http://schemas.openxmlformats.org/drawingml/2006/main" xmlns:r="http://schemas.openxmlformats.org/officeDocument/2006/relationships" xmlns:mc="http://schemas.openxmlformats.org/markup-compatibility/2006" xmlns:mv="urn:schemas-microsoft-com:mac:vml" xmlns:p="http://schemas.openxmlformats.org/presentationml/2006/main" xmlns:c="http://schemas.openxmlformats.org/drawingml/2006/chart" xmlns:dgm="http://schemas.openxmlformats.org/drawingml/2006/diagram" xmlns:o="urn:schemas-microsoft-com:office:office" xmlns:v="urn:schemas-microsoft-com:vml" xmlns:pvml="urn:schemas-microsoft-com:office:powerpoint" xmlns:com="http://schemas.openxmlformats.org/drawingml/2006/compatibility" xmlns:p14="http://schemas.microsoft.com/office/powerpoint/2010/main" xmlns:p15="http://schemas.microsoft.com/office/powerpoint/2012/main" xmlns:ahyp="http://schemas.microsoft.com/office/drawing/2018/hyperlinkcolor">
+  <p:cSld>
+    <p:spTree>
+      <p:nvGrpSpPr>
+        <p:cNvPr id="99" name="Shape 99"/>
+        <p:cNvGrpSpPr/>
+        <p:nvPr/>
+      </p:nvGrpSpPr>
+      <p:grpSpPr>
+        <a:xfrm>
+          <a:off x="0" y="0"/>
+          <a:ext cx="0" cy="0"/>
+          <a:chOff x="0" y="0"/>
+          <a:chExt cx="0" cy="0"/>
+        </a:xfrm>
+      </p:grpSpPr>
+      <p:pic>
+        <p:nvPicPr>
+          <p:cNvPr id="100" name="Google Shape;100;p19"/>
+          <p:cNvPicPr preferRelativeResize="0"/>
+          <p:nvPr/>
+        </p:nvPicPr>
+        <p:blipFill>
+          <a:blip r:embed="rId3">
+            <a:alphaModFix/>
+          </a:blip>
+          <a:stretch>
+            <a:fillRect/>
+          </a:stretch>
+        </p:blipFill>
+        <p:spPr>
+          <a:xfrm>
+            <a:off x="1156225" y="152400"/>
+            <a:ext cx="6831539" cy="4838700"/>
+          </a:xfrm>
+          <a:prstGeom prst="rect">
+            <a:avLst/>
+          </a:prstGeom>
+          <a:noFill/>
+          <a:ln>
+            <a:noFill/>
+          </a:ln>
+        </p:spPr>
+      </p:pic>
+      <p:sp>
+        <p:nvSpPr>
+          <p:cNvPr id="101" name="Google Shape;101;p19"/>
+          <p:cNvSpPr txBox="1"/>
+          <p:nvPr/>
+        </p:nvSpPr>
+        <p:spPr>
+          <a:xfrm>
+            <a:off x="210675" y="153000"/>
+            <a:ext cx="3401100" cy="492600"/>
+          </a:xfrm>
+          <a:prstGeom prst="rect">
+            <a:avLst/>
+          </a:prstGeom>
+          <a:noFill/>
+          <a:ln>
+            <a:noFill/>
+          </a:ln>
+        </p:spPr>
+        <p:txBody>
+          <a:bodyPr anchorCtr="0" anchor="t" bIns="91425" lIns="91425" spcFirstLastPara="1" rIns="91425" wrap="square" tIns="91425">
+            <a:spAutoFit/>
+          </a:bodyPr>
+          <a:lstStyle/>
+          <a:p>
+            <a:pPr indent="0" lvl="0" marL="0" rtl="0" algn="l">
+              <a:spcBef>
+                <a:spcPts val="0"/>
+              </a:spcBef>
+              <a:spcAft>
+                <a:spcPts val="0"/>
+              </a:spcAft>
+              <a:buNone/>
+            </a:pPr>
+            <a:r>
+              <a:rPr b="1" lang="ko" sz="2000">
+                <a:latin typeface="Nanum Gothic"/>
+                <a:ea typeface="Nanum Gothic"/>
+                <a:cs typeface="Nanum Gothic"/>
+                <a:sym typeface="Nanum Gothic"/>
+              </a:rPr>
+              <a:t>Usecase Diagram</a:t>
             </a:r>
             <a:endParaRPr b="1" sz="2000">
               <a:latin typeface="Nanum Gothic"/>
@@ -8392,12 +8778,12 @@
 </p:sld>
 </file>
 
-<file path=ppt/slides/slide6.xml><?xml version="1.0" encoding="utf-8"?>
+<file path=ppt/slides/slide8.xml><?xml version="1.0" encoding="utf-8"?>
 <p:sld xmlns:a="http://schemas.openxmlformats.org/drawingml/2006/main" xmlns:r="http://schemas.openxmlformats.org/officeDocument/2006/relationships" xmlns:mc="http://schemas.openxmlformats.org/markup-compatibility/2006" xmlns:mv="urn:schemas-microsoft-com:mac:vml" xmlns:p="http://schemas.openxmlformats.org/presentationml/2006/main" xmlns:c="http://schemas.openxmlformats.org/drawingml/2006/chart" xmlns:dgm="http://schemas.openxmlformats.org/drawingml/2006/diagram" xmlns:o="urn:schemas-microsoft-com:office:office" xmlns:v="urn:schemas-microsoft-com:vml" xmlns:pvml="urn:schemas-microsoft-com:office:powerpoint" xmlns:com="http://schemas.openxmlformats.org/drawingml/2006/compatibility" xmlns:p14="http://schemas.microsoft.com/office/powerpoint/2010/main" xmlns:p15="http://schemas.microsoft.com/office/powerpoint/2012/main" xmlns:ahyp="http://schemas.microsoft.com/office/drawing/2018/hyperlinkcolor">
   <p:cSld>
     <p:spTree>
       <p:nvGrpSpPr>
-        <p:cNvPr id="90" name="Shape 90"/>
+        <p:cNvPr id="105" name="Shape 105"/>
         <p:cNvGrpSpPr/>
         <p:nvPr/>
       </p:nvGrpSpPr>
@@ -8411,7 +8797,7 @@
       </p:grpSpPr>
       <p:pic>
         <p:nvPicPr>
-          <p:cNvPr id="91" name="Google Shape;91;p18"/>
+          <p:cNvPr id="106" name="Google Shape;106;p20"/>
           <p:cNvPicPr preferRelativeResize="0"/>
           <p:nvPr/>
         </p:nvPicPr>
@@ -8439,7 +8825,7 @@
       </p:pic>
       <p:sp>
         <p:nvSpPr>
-          <p:cNvPr id="92" name="Google Shape;92;p18"/>
+          <p:cNvPr id="107" name="Google Shape;107;p20"/>
           <p:cNvSpPr txBox="1"/>
           <p:nvPr/>
         </p:nvSpPr>
@@ -8491,7 +8877,7 @@
       </p:sp>
       <p:sp>
         <p:nvSpPr>
-          <p:cNvPr id="93" name="Google Shape;93;p18"/>
+          <p:cNvPr id="108" name="Google Shape;108;p20"/>
           <p:cNvSpPr txBox="1"/>
           <p:nvPr/>
         </p:nvSpPr>
@@ -8594,7 +8980,7 @@
       </p:sp>
       <p:grpSp>
         <p:nvGrpSpPr>
-          <p:cNvPr id="94" name="Google Shape;94;p18"/>
+          <p:cNvPr id="109" name="Google Shape;109;p20"/>
           <p:cNvGrpSpPr/>
           <p:nvPr/>
         </p:nvGrpSpPr>
@@ -8608,7 +8994,7 @@
         </p:grpSpPr>
         <p:sp>
           <p:nvSpPr>
-            <p:cNvPr id="95" name="Google Shape;95;p18"/>
+            <p:cNvPr id="110" name="Google Shape;110;p20"/>
             <p:cNvSpPr txBox="1"/>
             <p:nvPr/>
           </p:nvSpPr>
@@ -8657,7 +9043,7 @@
         </p:sp>
         <p:sp>
           <p:nvSpPr>
-            <p:cNvPr id="96" name="Google Shape;96;p18"/>
+            <p:cNvPr id="111" name="Google Shape;111;p20"/>
             <p:cNvSpPr txBox="1"/>
             <p:nvPr/>
           </p:nvSpPr>
@@ -8715,7 +9101,7 @@
       </p:grpSp>
       <p:sp>
         <p:nvSpPr>
-          <p:cNvPr id="97" name="Google Shape;97;p18"/>
+          <p:cNvPr id="112" name="Google Shape;112;p20"/>
           <p:cNvSpPr/>
           <p:nvPr/>
         </p:nvSpPr>
@@ -8768,362 +9154,286 @@
 </p:sld>
 </file>
 
-<file path=ppt/slides/slide7.xml><?xml version="1.0" encoding="utf-8"?>
-<p:sld xmlns:a="http://schemas.openxmlformats.org/drawingml/2006/main" xmlns:r="http://schemas.openxmlformats.org/officeDocument/2006/relationships" xmlns:mc="http://schemas.openxmlformats.org/markup-compatibility/2006" xmlns:mv="urn:schemas-microsoft-com:mac:vml" xmlns:p="http://schemas.openxmlformats.org/presentationml/2006/main" xmlns:c="http://schemas.openxmlformats.org/drawingml/2006/chart" xmlns:dgm="http://schemas.openxmlformats.org/drawingml/2006/diagram" xmlns:o="urn:schemas-microsoft-com:office:office" xmlns:v="urn:schemas-microsoft-com:vml" xmlns:pvml="urn:schemas-microsoft-com:office:powerpoint" xmlns:com="http://schemas.openxmlformats.org/drawingml/2006/compatibility" xmlns:p14="http://schemas.microsoft.com/office/powerpoint/2010/main" xmlns:p15="http://schemas.microsoft.com/office/powerpoint/2012/main" xmlns:ahyp="http://schemas.microsoft.com/office/drawing/2018/hyperlinkcolor">
-  <p:cSld>
-    <p:spTree>
-      <p:nvGrpSpPr>
-        <p:cNvPr id="101" name="Shape 101"/>
-        <p:cNvGrpSpPr/>
-        <p:nvPr/>
-      </p:nvGrpSpPr>
-      <p:grpSpPr>
-        <a:xfrm>
-          <a:off x="0" y="0"/>
-          <a:ext cx="0" cy="0"/>
-          <a:chOff x="0" y="0"/>
-          <a:chExt cx="0" cy="0"/>
-        </a:xfrm>
-      </p:grpSpPr>
-      <p:sp>
-        <p:nvSpPr>
-          <p:cNvPr id="102" name="Google Shape;102;p19"/>
-          <p:cNvSpPr txBox="1"/>
-          <p:nvPr>
-            <p:ph idx="1" type="body"/>
-          </p:nvPr>
-        </p:nvSpPr>
-        <p:spPr>
-          <a:xfrm>
-            <a:off x="311700" y="645600"/>
-            <a:ext cx="8520600" cy="3416400"/>
-          </a:xfrm>
-          <a:prstGeom prst="rect">
-            <a:avLst/>
-          </a:prstGeom>
-        </p:spPr>
-        <p:txBody>
-          <a:bodyPr anchorCtr="0" anchor="t" bIns="91425" lIns="91425" spcFirstLastPara="1" rIns="91425" wrap="square" tIns="91425">
-            <a:normAutofit/>
-          </a:bodyPr>
-          <a:lstStyle/>
-          <a:p>
-            <a:pPr indent="-292100" lvl="0" marL="457200" rtl="0" algn="l">
-              <a:spcBef>
-                <a:spcPts val="0"/>
-              </a:spcBef>
-              <a:spcAft>
-                <a:spcPts val="0"/>
-              </a:spcAft>
-              <a:buSzPts val="1000"/>
-              <a:buAutoNum type="arabicPeriod"/>
-            </a:pPr>
-            <a:r>
-              <a:rPr lang="ko" sz="1000"/>
-              <a:t>강유 외 3인(KDD), 2021, 「Accurate Multivariate Stock Movement Prediction via Data-Axis Transformer with Multi-Level Contexts」</a:t>
-            </a:r>
-            <a:endParaRPr sz="1000"/>
-          </a:p>
-          <a:p>
-            <a:pPr indent="-292100" lvl="0" marL="457200" rtl="0" algn="l">
-              <a:spcBef>
-                <a:spcPts val="0"/>
-              </a:spcBef>
-              <a:spcAft>
-                <a:spcPts val="0"/>
-              </a:spcAft>
-              <a:buSzPts val="1000"/>
-              <a:buAutoNum type="arabicPeriod"/>
-            </a:pPr>
-            <a:r>
-              <a:rPr lang="ko" sz="1000"/>
-              <a:t>김기준(학위논문), 2017, 「뉴스 감성 분석과 시계열 예측 기반의 주가 등락 예측」</a:t>
-            </a:r>
-            <a:endParaRPr sz="1000"/>
-          </a:p>
-        </p:txBody>
-      </p:sp>
-      <p:sp>
-        <p:nvSpPr>
-          <p:cNvPr id="103" name="Google Shape;103;p19"/>
-          <p:cNvSpPr txBox="1"/>
-          <p:nvPr/>
-        </p:nvSpPr>
-        <p:spPr>
-          <a:xfrm>
-            <a:off x="210675" y="153000"/>
-            <a:ext cx="3401100" cy="492600"/>
-          </a:xfrm>
-          <a:prstGeom prst="rect">
-            <a:avLst/>
-          </a:prstGeom>
-          <a:noFill/>
-          <a:ln>
-            <a:noFill/>
-          </a:ln>
-        </p:spPr>
-        <p:txBody>
-          <a:bodyPr anchorCtr="0" anchor="t" bIns="91425" lIns="91425" spcFirstLastPara="1" rIns="91425" wrap="square" tIns="91425">
-            <a:spAutoFit/>
-          </a:bodyPr>
-          <a:lstStyle/>
-          <a:p>
-            <a:pPr indent="0" lvl="0" marL="0" rtl="0" algn="l">
-              <a:spcBef>
-                <a:spcPts val="0"/>
-              </a:spcBef>
-              <a:spcAft>
-                <a:spcPts val="0"/>
-              </a:spcAft>
-              <a:buNone/>
-            </a:pPr>
-            <a:r>
-              <a:rPr b="1" lang="ko" sz="2000">
-                <a:latin typeface="Nanum Gothic"/>
-                <a:ea typeface="Nanum Gothic"/>
-                <a:cs typeface="Nanum Gothic"/>
-                <a:sym typeface="Nanum Gothic"/>
-              </a:rPr>
-              <a:t>References</a:t>
-            </a:r>
-            <a:endParaRPr b="1" sz="2000">
-              <a:latin typeface="Nanum Gothic"/>
-              <a:ea typeface="Nanum Gothic"/>
-              <a:cs typeface="Nanum Gothic"/>
-              <a:sym typeface="Nanum Gothic"/>
-            </a:endParaRPr>
-          </a:p>
-        </p:txBody>
-      </p:sp>
-      <p:pic>
-        <p:nvPicPr>
-          <p:cNvPr id="104" name="Google Shape;104;p19"/>
-          <p:cNvPicPr preferRelativeResize="0"/>
-          <p:nvPr/>
-        </p:nvPicPr>
-        <p:blipFill>
-          <a:blip r:embed="rId3">
-            <a:alphaModFix/>
-          </a:blip>
-          <a:stretch>
-            <a:fillRect/>
-          </a:stretch>
-        </p:blipFill>
-        <p:spPr>
-          <a:xfrm>
-            <a:off x="0" y="1132324"/>
-            <a:ext cx="5355725" cy="2339350"/>
-          </a:xfrm>
-          <a:prstGeom prst="rect">
-            <a:avLst/>
-          </a:prstGeom>
-          <a:noFill/>
-          <a:ln>
-            <a:noFill/>
-          </a:ln>
-        </p:spPr>
-      </p:pic>
-      <p:pic>
-        <p:nvPicPr>
-          <p:cNvPr id="105" name="Google Shape;105;p19"/>
-          <p:cNvPicPr preferRelativeResize="0"/>
-          <p:nvPr/>
-        </p:nvPicPr>
-        <p:blipFill>
-          <a:blip r:embed="rId4">
-            <a:alphaModFix/>
-          </a:blip>
-          <a:stretch>
-            <a:fillRect/>
-          </a:stretch>
-        </p:blipFill>
-        <p:spPr>
-          <a:xfrm>
-            <a:off x="2905113" y="2476500"/>
-            <a:ext cx="6238875" cy="2667000"/>
-          </a:xfrm>
-          <a:prstGeom prst="rect">
-            <a:avLst/>
-          </a:prstGeom>
-          <a:noFill/>
-          <a:ln>
-            <a:noFill/>
-          </a:ln>
-        </p:spPr>
-      </p:pic>
-    </p:spTree>
-  </p:cSld>
-  <p:clrMapOvr>
-    <a:masterClrMapping/>
-  </p:clrMapOvr>
-</p:sld>
+<file path=ppt/theme/theme1.xml><?xml version="1.0" encoding="utf-8"?>
+<a:theme xmlns:a="http://schemas.openxmlformats.org/drawingml/2006/main" xmlns:r="http://schemas.openxmlformats.org/officeDocument/2006/relationships" name="Simple Light">
+  <a:themeElements>
+    <a:clrScheme name="Simple Light">
+      <a:dk1>
+        <a:srgbClr val="000000"/>
+      </a:dk1>
+      <a:lt1>
+        <a:srgbClr val="FFFFFF"/>
+      </a:lt1>
+      <a:dk2>
+        <a:srgbClr val="595959"/>
+      </a:dk2>
+      <a:lt2>
+        <a:srgbClr val="EEEEEE"/>
+      </a:lt2>
+      <a:accent1>
+        <a:srgbClr val="4285F4"/>
+      </a:accent1>
+      <a:accent2>
+        <a:srgbClr val="212121"/>
+      </a:accent2>
+      <a:accent3>
+        <a:srgbClr val="78909C"/>
+      </a:accent3>
+      <a:accent4>
+        <a:srgbClr val="FFAB40"/>
+      </a:accent4>
+      <a:accent5>
+        <a:srgbClr val="0097A7"/>
+      </a:accent5>
+      <a:accent6>
+        <a:srgbClr val="EEFF41"/>
+      </a:accent6>
+      <a:hlink>
+        <a:srgbClr val="0097A7"/>
+      </a:hlink>
+      <a:folHlink>
+        <a:srgbClr val="0097A7"/>
+      </a:folHlink>
+    </a:clrScheme>
+    <a:fontScheme name="Office">
+      <a:majorFont>
+        <a:latin typeface="Arial"/>
+        <a:ea typeface=""/>
+        <a:cs typeface=""/>
+        <a:font script="Jpan" typeface="ＭＳ Ｐゴシック"/>
+        <a:font script="Hang" typeface="맑은 고딕"/>
+        <a:font script="Hans" typeface="宋体"/>
+        <a:font script="Hant" typeface="新細明體"/>
+        <a:font script="Arab" typeface="Times New Roman"/>
+        <a:font script="Hebr" typeface="Times New Roman"/>
+        <a:font script="Thai" typeface="Angsana New"/>
+        <a:font script="Ethi" typeface="Nyala"/>
+        <a:font script="Beng" typeface="Vrinda"/>
+        <a:font script="Gujr" typeface="Shruti"/>
+        <a:font script="Khmr" typeface="MoolBoran"/>
+        <a:font script="Knda" typeface="Tunga"/>
+        <a:font script="Guru" typeface="Raavi"/>
+        <a:font script="Cans" typeface="Euphemia"/>
+        <a:font script="Cher" typeface="Plantagenet Cherokee"/>
+        <a:font script="Yiii" typeface="Microsoft Yi Baiti"/>
+        <a:font script="Tibt" typeface="Microsoft Himalaya"/>
+        <a:font script="Thaa" typeface="MV Boli"/>
+        <a:font script="Deva" typeface="Mangal"/>
+        <a:font script="Telu" typeface="Gautami"/>
+        <a:font script="Taml" typeface="Latha"/>
+        <a:font script="Syrc" typeface="Estrangelo Edessa"/>
+        <a:font script="Orya" typeface="Kalinga"/>
+        <a:font script="Mlym" typeface="Kartika"/>
+        <a:font script="Laoo" typeface="DokChampa"/>
+        <a:font script="Sinh" typeface="Iskoola Pota"/>
+        <a:font script="Mong" typeface="Mongolian Baiti"/>
+        <a:font script="Viet" typeface="Times New Roman"/>
+        <a:font script="Uigh" typeface="Microsoft Uighur"/>
+        <a:font script="Geor" typeface="Sylfaen"/>
+      </a:majorFont>
+      <a:minorFont>
+        <a:latin typeface="Arial"/>
+        <a:ea typeface=""/>
+        <a:cs typeface=""/>
+        <a:font script="Jpan" typeface="ＭＳ Ｐゴシック"/>
+        <a:font script="Hang" typeface="맑은 고딕"/>
+        <a:font script="Hans" typeface="宋体"/>
+        <a:font script="Hant" typeface="新細明體"/>
+        <a:font script="Arab" typeface="Arial"/>
+        <a:font script="Hebr" typeface="Arial"/>
+        <a:font script="Thai" typeface="Cordia New"/>
+        <a:font script="Ethi" typeface="Nyala"/>
+        <a:font script="Beng" typeface="Vrinda"/>
+        <a:font script="Gujr" typeface="Shruti"/>
+        <a:font script="Khmr" typeface="DaunPenh"/>
+        <a:font script="Knda" typeface="Tunga"/>
+        <a:font script="Guru" typeface="Raavi"/>
+        <a:font script="Cans" typeface="Euphemia"/>
+        <a:font script="Cher" typeface="Plantagenet Cherokee"/>
+        <a:font script="Yiii" typeface="Microsoft Yi Baiti"/>
+        <a:font script="Tibt" typeface="Microsoft Himalaya"/>
+        <a:font script="Thaa" typeface="MV Boli"/>
+        <a:font script="Deva" typeface="Mangal"/>
+        <a:font script="Telu" typeface="Gautami"/>
+        <a:font script="Taml" typeface="Latha"/>
+        <a:font script="Syrc" typeface="Estrangelo Edessa"/>
+        <a:font script="Orya" typeface="Kalinga"/>
+        <a:font script="Mlym" typeface="Kartika"/>
+        <a:font script="Laoo" typeface="DokChampa"/>
+        <a:font script="Sinh" typeface="Iskoola Pota"/>
+        <a:font script="Mong" typeface="Mongolian Baiti"/>
+        <a:font script="Viet" typeface="Arial"/>
+        <a:font script="Uigh" typeface="Microsoft Uighur"/>
+        <a:font script="Geor" typeface="Sylfaen"/>
+      </a:minorFont>
+    </a:fontScheme>
+    <a:fmtScheme name="Office">
+      <a:fillStyleLst>
+        <a:solidFill>
+          <a:schemeClr val="phClr"/>
+        </a:solidFill>
+        <a:gradFill rotWithShape="1">
+          <a:gsLst>
+            <a:gs pos="0">
+              <a:schemeClr val="phClr">
+                <a:tint val="50000"/>
+                <a:satMod val="300000"/>
+              </a:schemeClr>
+            </a:gs>
+            <a:gs pos="35000">
+              <a:schemeClr val="phClr">
+                <a:tint val="37000"/>
+                <a:satMod val="300000"/>
+              </a:schemeClr>
+            </a:gs>
+            <a:gs pos="100000">
+              <a:schemeClr val="phClr">
+                <a:tint val="15000"/>
+                <a:satMod val="350000"/>
+              </a:schemeClr>
+            </a:gs>
+          </a:gsLst>
+          <a:lin ang="16200000" scaled="1"/>
+        </a:gradFill>
+        <a:gradFill rotWithShape="1">
+          <a:gsLst>
+            <a:gs pos="0">
+              <a:schemeClr val="phClr">
+                <a:tint val="100000"/>
+                <a:shade val="100000"/>
+                <a:satMod val="130000"/>
+              </a:schemeClr>
+            </a:gs>
+            <a:gs pos="100000">
+              <a:schemeClr val="phClr">
+                <a:tint val="50000"/>
+                <a:shade val="100000"/>
+                <a:satMod val="350000"/>
+              </a:schemeClr>
+            </a:gs>
+          </a:gsLst>
+          <a:lin ang="16200000" scaled="0"/>
+        </a:gradFill>
+      </a:fillStyleLst>
+      <a:lnStyleLst>
+        <a:ln w="9525" cap="flat" cmpd="sng" algn="ctr">
+          <a:solidFill>
+            <a:schemeClr val="phClr">
+              <a:shade val="95000"/>
+              <a:satMod val="105000"/>
+            </a:schemeClr>
+          </a:solidFill>
+          <a:prstDash val="solid"/>
+        </a:ln>
+        <a:ln w="25400" cap="flat" cmpd="sng" algn="ctr">
+          <a:solidFill>
+            <a:schemeClr val="phClr"/>
+          </a:solidFill>
+          <a:prstDash val="solid"/>
+        </a:ln>
+        <a:ln w="38100" cap="flat" cmpd="sng" algn="ctr">
+          <a:solidFill>
+            <a:schemeClr val="phClr"/>
+          </a:solidFill>
+          <a:prstDash val="solid"/>
+        </a:ln>
+      </a:lnStyleLst>
+      <a:effectStyleLst>
+        <a:effectStyle>
+          <a:effectLst>
+            <a:outerShdw blurRad="40000" dist="20000" dir="5400000" rotWithShape="0">
+              <a:srgbClr val="000000">
+                <a:alpha val="38000"/>
+              </a:srgbClr>
+            </a:outerShdw>
+          </a:effectLst>
+        </a:effectStyle>
+        <a:effectStyle>
+          <a:effectLst>
+            <a:outerShdw blurRad="40000" dist="23000" dir="5400000" rotWithShape="0">
+              <a:srgbClr val="000000">
+                <a:alpha val="35000"/>
+              </a:srgbClr>
+            </a:outerShdw>
+          </a:effectLst>
+        </a:effectStyle>
+        <a:effectStyle>
+          <a:effectLst>
+            <a:outerShdw blurRad="40000" dist="23000" dir="5400000" rotWithShape="0">
+              <a:srgbClr val="000000">
+                <a:alpha val="35000"/>
+              </a:srgbClr>
+            </a:outerShdw>
+          </a:effectLst>
+          <a:scene3d>
+            <a:camera prst="orthographicFront">
+              <a:rot lat="0" lon="0" rev="0"/>
+            </a:camera>
+            <a:lightRig rig="threePt" dir="t">
+              <a:rot lat="0" lon="0" rev="1200000"/>
+            </a:lightRig>
+          </a:scene3d>
+          <a:sp3d>
+            <a:bevelT w="63500" h="25400"/>
+          </a:sp3d>
+        </a:effectStyle>
+      </a:effectStyleLst>
+      <a:bgFillStyleLst>
+        <a:solidFill>
+          <a:schemeClr val="phClr"/>
+        </a:solidFill>
+        <a:gradFill rotWithShape="1">
+          <a:gsLst>
+            <a:gs pos="0">
+              <a:schemeClr val="phClr">
+                <a:tint val="40000"/>
+                <a:satMod val="350000"/>
+              </a:schemeClr>
+            </a:gs>
+            <a:gs pos="40000">
+              <a:schemeClr val="phClr">
+                <a:tint val="45000"/>
+                <a:shade val="99000"/>
+                <a:satMod val="350000"/>
+              </a:schemeClr>
+            </a:gs>
+            <a:gs pos="100000">
+              <a:schemeClr val="phClr">
+                <a:shade val="20000"/>
+                <a:satMod val="255000"/>
+              </a:schemeClr>
+            </a:gs>
+          </a:gsLst>
+          <a:path path="circle">
+            <a:fillToRect l="50000" t="-80000" r="50000" b="180000"/>
+          </a:path>
+        </a:gradFill>
+        <a:gradFill rotWithShape="1">
+          <a:gsLst>
+            <a:gs pos="0">
+              <a:schemeClr val="phClr">
+                <a:tint val="80000"/>
+                <a:satMod val="300000"/>
+              </a:schemeClr>
+            </a:gs>
+            <a:gs pos="100000">
+              <a:schemeClr val="phClr">
+                <a:shade val="30000"/>
+                <a:satMod val="200000"/>
+              </a:schemeClr>
+            </a:gs>
+          </a:gsLst>
+          <a:path path="circle">
+            <a:fillToRect l="50000" t="50000" r="50000" b="50000"/>
+          </a:path>
+        </a:gradFill>
+      </a:bgFillStyleLst>
+    </a:fmtScheme>
+  </a:themeElements>
+</a:theme>
 </file>
 
-<file path=ppt/slides/slide8.xml><?xml version="1.0" encoding="utf-8"?>
-<p:sld xmlns:a="http://schemas.openxmlformats.org/drawingml/2006/main" xmlns:r="http://schemas.openxmlformats.org/officeDocument/2006/relationships" xmlns:mc="http://schemas.openxmlformats.org/markup-compatibility/2006" xmlns:mv="urn:schemas-microsoft-com:mac:vml" xmlns:p="http://schemas.openxmlformats.org/presentationml/2006/main" xmlns:c="http://schemas.openxmlformats.org/drawingml/2006/chart" xmlns:dgm="http://schemas.openxmlformats.org/drawingml/2006/diagram" xmlns:o="urn:schemas-microsoft-com:office:office" xmlns:v="urn:schemas-microsoft-com:vml" xmlns:pvml="urn:schemas-microsoft-com:office:powerpoint" xmlns:com="http://schemas.openxmlformats.org/drawingml/2006/compatibility" xmlns:p14="http://schemas.microsoft.com/office/powerpoint/2010/main" xmlns:p15="http://schemas.microsoft.com/office/powerpoint/2012/main" xmlns:ahyp="http://schemas.microsoft.com/office/drawing/2018/hyperlinkcolor">
-  <p:cSld>
-    <p:spTree>
-      <p:nvGrpSpPr>
-        <p:cNvPr id="109" name="Shape 109"/>
-        <p:cNvGrpSpPr/>
-        <p:nvPr/>
-      </p:nvGrpSpPr>
-      <p:grpSpPr>
-        <a:xfrm>
-          <a:off x="0" y="0"/>
-          <a:ext cx="0" cy="0"/>
-          <a:chOff x="0" y="0"/>
-          <a:chExt cx="0" cy="0"/>
-        </a:xfrm>
-      </p:grpSpPr>
-      <p:sp>
-        <p:nvSpPr>
-          <p:cNvPr id="110" name="Google Shape;110;p20"/>
-          <p:cNvSpPr txBox="1"/>
-          <p:nvPr/>
-        </p:nvSpPr>
-        <p:spPr>
-          <a:xfrm>
-            <a:off x="487450" y="684000"/>
-            <a:ext cx="4725300" cy="1693200"/>
-          </a:xfrm>
-          <a:prstGeom prst="rect">
-            <a:avLst/>
-          </a:prstGeom>
-          <a:noFill/>
-          <a:ln>
-            <a:noFill/>
-          </a:ln>
-        </p:spPr>
-        <p:txBody>
-          <a:bodyPr anchorCtr="0" anchor="t" bIns="91425" lIns="91425" spcFirstLastPara="1" rIns="91425" wrap="square" tIns="91425">
-            <a:spAutoFit/>
-          </a:bodyPr>
-          <a:lstStyle/>
-          <a:p>
-            <a:pPr indent="-317500" lvl="0" marL="457200" rtl="0" algn="l">
-              <a:spcBef>
-                <a:spcPts val="0"/>
-              </a:spcBef>
-              <a:spcAft>
-                <a:spcPts val="0"/>
-              </a:spcAft>
-              <a:buSzPts val="1400"/>
-              <a:buChar char="●"/>
-            </a:pPr>
-            <a:r>
-              <a:rPr lang="ko"/>
-              <a:t>주제</a:t>
-            </a:r>
-            <a:endParaRPr/>
-          </a:p>
-          <a:p>
-            <a:pPr indent="0" lvl="0" marL="457200" rtl="0" algn="l">
-              <a:spcBef>
-                <a:spcPts val="0"/>
-              </a:spcBef>
-              <a:spcAft>
-                <a:spcPts val="0"/>
-              </a:spcAft>
-              <a:buNone/>
-            </a:pPr>
-            <a:r>
-              <a:t/>
-            </a:r>
-            <a:endParaRPr/>
-          </a:p>
-          <a:p>
-            <a:pPr indent="-317500" lvl="0" marL="457200" rtl="0" algn="l">
-              <a:spcBef>
-                <a:spcPts val="0"/>
-              </a:spcBef>
-              <a:spcAft>
-                <a:spcPts val="0"/>
-              </a:spcAft>
-              <a:buSzPts val="1400"/>
-              <a:buChar char="●"/>
-            </a:pPr>
-            <a:r>
-              <a:rPr lang="ko"/>
-              <a:t>업종</a:t>
-            </a:r>
-            <a:endParaRPr/>
-          </a:p>
-          <a:p>
-            <a:pPr indent="0" lvl="0" marL="457200" rtl="0" algn="l">
-              <a:spcBef>
-                <a:spcPts val="0"/>
-              </a:spcBef>
-              <a:spcAft>
-                <a:spcPts val="0"/>
-              </a:spcAft>
-              <a:buNone/>
-            </a:pPr>
-            <a:r>
-              <a:t/>
-            </a:r>
-            <a:endParaRPr/>
-          </a:p>
-          <a:p>
-            <a:pPr indent="-317500" lvl="0" marL="457200" rtl="0" algn="l">
-              <a:spcBef>
-                <a:spcPts val="0"/>
-              </a:spcBef>
-              <a:spcAft>
-                <a:spcPts val="0"/>
-              </a:spcAft>
-              <a:buSzPts val="1400"/>
-              <a:buChar char="●"/>
-            </a:pPr>
-            <a:r>
-              <a:rPr lang="ko"/>
-              <a:t>프로젝트 일정 계획</a:t>
-            </a:r>
-            <a:endParaRPr/>
-          </a:p>
-          <a:p>
-            <a:pPr indent="0" lvl="0" marL="457200" rtl="0" algn="l">
-              <a:spcBef>
-                <a:spcPts val="0"/>
-              </a:spcBef>
-              <a:spcAft>
-                <a:spcPts val="0"/>
-              </a:spcAft>
-              <a:buNone/>
-            </a:pPr>
-            <a:r>
-              <a:t/>
-            </a:r>
-            <a:endParaRPr/>
-          </a:p>
-          <a:p>
-            <a:pPr indent="-317500" lvl="0" marL="457200" rtl="0" algn="l">
-              <a:spcBef>
-                <a:spcPts val="0"/>
-              </a:spcBef>
-              <a:spcAft>
-                <a:spcPts val="0"/>
-              </a:spcAft>
-              <a:buSzPts val="1400"/>
-              <a:buChar char="●"/>
-            </a:pPr>
-            <a:r>
-              <a:rPr lang="ko"/>
-              <a:t>난이도</a:t>
-            </a:r>
-            <a:endParaRPr/>
-          </a:p>
-        </p:txBody>
-      </p:sp>
-    </p:spTree>
-  </p:cSld>
-  <p:clrMapOvr>
-    <a:masterClrMapping/>
-  </p:clrMapOvr>
-</p:sld>
-</file>
-
-<file path=ppt/theme/theme1.xml><?xml version="1.0" encoding="utf-8"?>
+<file path=ppt/theme/theme2.xml><?xml version="1.0" encoding="utf-8"?>
 <a:theme xmlns:a="http://schemas.openxmlformats.org/drawingml/2006/main" xmlns:r="http://schemas.openxmlformats.org/officeDocument/2006/relationships">
   <a:themeElements>
     <a:clrScheme name="Default">
@@ -9400,283 +9710,4 @@
     </a:fmtScheme>
   </a:themeElements>
 </a:theme>
-</file>
-
-<file path=ppt/theme/theme2.xml><?xml version="1.0" encoding="utf-8"?>
-<a:theme xmlns:a="http://schemas.openxmlformats.org/drawingml/2006/main" xmlns:r="http://schemas.openxmlformats.org/officeDocument/2006/relationships" name="Simple Light">
-  <a:themeElements>
-    <a:clrScheme name="Simple Light">
-      <a:dk1>
-        <a:srgbClr val="000000"/>
-      </a:dk1>
-      <a:lt1>
-        <a:srgbClr val="FFFFFF"/>
-      </a:lt1>
-      <a:dk2>
-        <a:srgbClr val="595959"/>
-      </a:dk2>
-      <a:lt2>
-        <a:srgbClr val="EEEEEE"/>
-      </a:lt2>
-      <a:accent1>
-        <a:srgbClr val="4285F4"/>
-      </a:accent1>
-      <a:accent2>
-        <a:srgbClr val="212121"/>
-      </a:accent2>
-      <a:accent3>
-        <a:srgbClr val="78909C"/>
-      </a:accent3>
-      <a:accent4>
-        <a:srgbClr val="FFAB40"/>
-      </a:accent4>
-      <a:accent5>
-        <a:srgbClr val="0097A7"/>
-      </a:accent5>
-      <a:accent6>
-        <a:srgbClr val="EEFF41"/>
-      </a:accent6>
-      <a:hlink>
-        <a:srgbClr val="0097A7"/>
-      </a:hlink>
-      <a:folHlink>
-        <a:srgbClr val="0097A7"/>
-      </a:folHlink>
-    </a:clrScheme>
-    <a:fontScheme name="Office">
-      <a:majorFont>
-        <a:latin typeface="Arial"/>
-        <a:ea typeface=""/>
-        <a:cs typeface=""/>
-        <a:font script="Jpan" typeface="ＭＳ Ｐゴシック"/>
-        <a:font script="Hang" typeface="맑은 고딕"/>
-        <a:font script="Hans" typeface="宋体"/>
-        <a:font script="Hant" typeface="新細明體"/>
-        <a:font script="Arab" typeface="Times New Roman"/>
-        <a:font script="Hebr" typeface="Times New Roman"/>
-        <a:font script="Thai" typeface="Angsana New"/>
-        <a:font script="Ethi" typeface="Nyala"/>
-        <a:font script="Beng" typeface="Vrinda"/>
-        <a:font script="Gujr" typeface="Shruti"/>
-        <a:font script="Khmr" typeface="MoolBoran"/>
-        <a:font script="Knda" typeface="Tunga"/>
-        <a:font script="Guru" typeface="Raavi"/>
-        <a:font script="Cans" typeface="Euphemia"/>
-        <a:font script="Cher" typeface="Plantagenet Cherokee"/>
-        <a:font script="Yiii" typeface="Microsoft Yi Baiti"/>
-        <a:font script="Tibt" typeface="Microsoft Himalaya"/>
-        <a:font script="Thaa" typeface="MV Boli"/>
-        <a:font script="Deva" typeface="Mangal"/>
-        <a:font script="Telu" typeface="Gautami"/>
-        <a:font script="Taml" typeface="Latha"/>
-        <a:font script="Syrc" typeface="Estrangelo Edessa"/>
-        <a:font script="Orya" typeface="Kalinga"/>
-        <a:font script="Mlym" typeface="Kartika"/>
-        <a:font script="Laoo" typeface="DokChampa"/>
-        <a:font script="Sinh" typeface="Iskoola Pota"/>
-        <a:font script="Mong" typeface="Mongolian Baiti"/>
-        <a:font script="Viet" typeface="Times New Roman"/>
-        <a:font script="Uigh" typeface="Microsoft Uighur"/>
-        <a:font script="Geor" typeface="Sylfaen"/>
-      </a:majorFont>
-      <a:minorFont>
-        <a:latin typeface="Arial"/>
-        <a:ea typeface=""/>
-        <a:cs typeface=""/>
-        <a:font script="Jpan" typeface="ＭＳ Ｐゴシック"/>
-        <a:font script="Hang" typeface="맑은 고딕"/>
-        <a:font script="Hans" typeface="宋体"/>
-        <a:font script="Hant" typeface="新細明體"/>
-        <a:font script="Arab" typeface="Arial"/>
-        <a:font script="Hebr" typeface="Arial"/>
-        <a:font script="Thai" typeface="Cordia New"/>
-        <a:font script="Ethi" typeface="Nyala"/>
-        <a:font script="Beng" typeface="Vrinda"/>
-        <a:font script="Gujr" typeface="Shruti"/>
-        <a:font script="Khmr" typeface="DaunPenh"/>
-        <a:font script="Knda" typeface="Tunga"/>
-        <a:font script="Guru" typeface="Raavi"/>
-        <a:font script="Cans" typeface="Euphemia"/>
-        <a:font script="Cher" typeface="Plantagenet Cherokee"/>
-        <a:font script="Yiii" typeface="Microsoft Yi Baiti"/>
-        <a:font script="Tibt" typeface="Microsoft Himalaya"/>
-        <a:font script="Thaa" typeface="MV Boli"/>
-        <a:font script="Deva" typeface="Mangal"/>
-        <a:font script="Telu" typeface="Gautami"/>
-        <a:font script="Taml" typeface="Latha"/>
-        <a:font script="Syrc" typeface="Estrangelo Edessa"/>
-        <a:font script="Orya" typeface="Kalinga"/>
-        <a:font script="Mlym" typeface="Kartika"/>
-        <a:font script="Laoo" typeface="DokChampa"/>
-        <a:font script="Sinh" typeface="Iskoola Pota"/>
-        <a:font script="Mong" typeface="Mongolian Baiti"/>
-        <a:font script="Viet" typeface="Arial"/>
-        <a:font script="Uigh" typeface="Microsoft Uighur"/>
-        <a:font script="Geor" typeface="Sylfaen"/>
-      </a:minorFont>
-    </a:fontScheme>
-    <a:fmtScheme name="Office">
-      <a:fillStyleLst>
-        <a:solidFill>
-          <a:schemeClr val="phClr"/>
-        </a:solidFill>
-        <a:gradFill rotWithShape="1">
-          <a:gsLst>
-            <a:gs pos="0">
-              <a:schemeClr val="phClr">
-                <a:tint val="50000"/>
-                <a:satMod val="300000"/>
-              </a:schemeClr>
-            </a:gs>
-            <a:gs pos="35000">
-              <a:schemeClr val="phClr">
-                <a:tint val="37000"/>
-                <a:satMod val="300000"/>
-              </a:schemeClr>
-            </a:gs>
-            <a:gs pos="100000">
-              <a:schemeClr val="phClr">
-                <a:tint val="15000"/>
-                <a:satMod val="350000"/>
-              </a:schemeClr>
-            </a:gs>
-          </a:gsLst>
-          <a:lin ang="16200000" scaled="1"/>
-        </a:gradFill>
-        <a:gradFill rotWithShape="1">
-          <a:gsLst>
-            <a:gs pos="0">
-              <a:schemeClr val="phClr">
-                <a:tint val="100000"/>
-                <a:shade val="100000"/>
-                <a:satMod val="130000"/>
-              </a:schemeClr>
-            </a:gs>
-            <a:gs pos="100000">
-              <a:schemeClr val="phClr">
-                <a:tint val="50000"/>
-                <a:shade val="100000"/>
-                <a:satMod val="350000"/>
-              </a:schemeClr>
-            </a:gs>
-          </a:gsLst>
-          <a:lin ang="16200000" scaled="0"/>
-        </a:gradFill>
-      </a:fillStyleLst>
-      <a:lnStyleLst>
-        <a:ln w="9525" cap="flat" cmpd="sng" algn="ctr">
-          <a:solidFill>
-            <a:schemeClr val="phClr">
-              <a:shade val="95000"/>
-              <a:satMod val="105000"/>
-            </a:schemeClr>
-          </a:solidFill>
-          <a:prstDash val="solid"/>
-        </a:ln>
-        <a:ln w="25400" cap="flat" cmpd="sng" algn="ctr">
-          <a:solidFill>
-            <a:schemeClr val="phClr"/>
-          </a:solidFill>
-          <a:prstDash val="solid"/>
-        </a:ln>
-        <a:ln w="38100" cap="flat" cmpd="sng" algn="ctr">
-          <a:solidFill>
-            <a:schemeClr val="phClr"/>
-          </a:solidFill>
-          <a:prstDash val="solid"/>
-        </a:ln>
-      </a:lnStyleLst>
-      <a:effectStyleLst>
-        <a:effectStyle>
-          <a:effectLst>
-            <a:outerShdw blurRad="40000" dist="20000" dir="5400000" rotWithShape="0">
-              <a:srgbClr val="000000">
-                <a:alpha val="38000"/>
-              </a:srgbClr>
-            </a:outerShdw>
-          </a:effectLst>
-        </a:effectStyle>
-        <a:effectStyle>
-          <a:effectLst>
-            <a:outerShdw blurRad="40000" dist="23000" dir="5400000" rotWithShape="0">
-              <a:srgbClr val="000000">
-                <a:alpha val="35000"/>
-              </a:srgbClr>
-            </a:outerShdw>
-          </a:effectLst>
-        </a:effectStyle>
-        <a:effectStyle>
-          <a:effectLst>
-            <a:outerShdw blurRad="40000" dist="23000" dir="5400000" rotWithShape="0">
-              <a:srgbClr val="000000">
-                <a:alpha val="35000"/>
-              </a:srgbClr>
-            </a:outerShdw>
-          </a:effectLst>
-          <a:scene3d>
-            <a:camera prst="orthographicFront">
-              <a:rot lat="0" lon="0" rev="0"/>
-            </a:camera>
-            <a:lightRig rig="threePt" dir="t">
-              <a:rot lat="0" lon="0" rev="1200000"/>
-            </a:lightRig>
-          </a:scene3d>
-          <a:sp3d>
-            <a:bevelT w="63500" h="25400"/>
-          </a:sp3d>
-        </a:effectStyle>
-      </a:effectStyleLst>
-      <a:bgFillStyleLst>
-        <a:solidFill>
-          <a:schemeClr val="phClr"/>
-        </a:solidFill>
-        <a:gradFill rotWithShape="1">
-          <a:gsLst>
-            <a:gs pos="0">
-              <a:schemeClr val="phClr">
-                <a:tint val="40000"/>
-                <a:satMod val="350000"/>
-              </a:schemeClr>
-            </a:gs>
-            <a:gs pos="40000">
-              <a:schemeClr val="phClr">
-                <a:tint val="45000"/>
-                <a:shade val="99000"/>
-                <a:satMod val="350000"/>
-              </a:schemeClr>
-            </a:gs>
-            <a:gs pos="100000">
-              <a:schemeClr val="phClr">
-                <a:shade val="20000"/>
-                <a:satMod val="255000"/>
-              </a:schemeClr>
-            </a:gs>
-          </a:gsLst>
-          <a:path path="circle">
-            <a:fillToRect l="50000" t="-80000" r="50000" b="180000"/>
-          </a:path>
-        </a:gradFill>
-        <a:gradFill rotWithShape="1">
-          <a:gsLst>
-            <a:gs pos="0">
-              <a:schemeClr val="phClr">
-                <a:tint val="80000"/>
-                <a:satMod val="300000"/>
-              </a:schemeClr>
-            </a:gs>
-            <a:gs pos="100000">
-              <a:schemeClr val="phClr">
-                <a:shade val="30000"/>
-                <a:satMod val="200000"/>
-              </a:schemeClr>
-            </a:gs>
-          </a:gsLst>
-          <a:path path="circle">
-            <a:fillToRect l="50000" t="50000" r="50000" b="50000"/>
-          </a:path>
-        </a:gradFill>
-      </a:bgFillStyleLst>
-    </a:fmtScheme>
-  </a:themeElements>
-</a:theme>
 </file>